--- a/PlakatStudienarbeitGartenhochbahn.pptx
+++ b/PlakatStudienarbeitGartenhochbahn.pptx
@@ -238,7 +238,7 @@
           <a:p>
             <a:fld id="{8A790E83-4F3E-6B42-BD81-D1EBEAA072EA}" type="datetimeFigureOut">
               <a:rPr lang="de-DE" smtClean="0"/>
-              <a:t>22.05.22</a:t>
+              <a:t>30.05.22</a:t>
             </a:fld>
             <a:endParaRPr lang="de-DE"/>
           </a:p>
@@ -8163,311 +8163,290 @@
           </p:spPr>
         </p:pic>
       </p:grpSp>
-      <p:grpSp>
-        <p:nvGrpSpPr>
-          <p:cNvPr id="24" name="Gruppieren 23">
+      <p:sp>
+        <p:nvSpPr>
+          <p:cNvPr id="4" name="Rechteck 3">
             <a:extLst>
               <a:ext uri="{FF2B5EF4-FFF2-40B4-BE49-F238E27FC236}">
-                <a16:creationId xmlns:a16="http://schemas.microsoft.com/office/drawing/2014/main" id="{AFA862F4-20D8-D319-221E-9FD83A8D907E}"/>
+                <a16:creationId xmlns:a16="http://schemas.microsoft.com/office/drawing/2014/main" id="{14DE76CB-A912-95A2-E679-2A741C33DF32}"/>
               </a:ext>
             </a:extLst>
           </p:cNvPr>
-          <p:cNvGrpSpPr/>
+          <p:cNvSpPr/>
           <p:nvPr/>
-        </p:nvGrpSpPr>
-        <p:grpSpPr>
+        </p:nvSpPr>
+        <p:spPr bwMode="auto">
           <a:xfrm>
-            <a:off x="852365" y="21644371"/>
-            <a:ext cx="28893636" cy="15429633"/>
-            <a:chOff x="641781" y="19415465"/>
-            <a:chExt cx="28893636" cy="15429633"/>
+            <a:off x="886862" y="21644372"/>
+            <a:ext cx="14463709" cy="8247055"/>
           </a:xfrm>
-        </p:grpSpPr>
-        <p:sp>
-          <p:nvSpPr>
-            <p:cNvPr id="4" name="Rechteck 3">
-              <a:extLst>
-                <a:ext uri="{FF2B5EF4-FFF2-40B4-BE49-F238E27FC236}">
-                  <a16:creationId xmlns:a16="http://schemas.microsoft.com/office/drawing/2014/main" id="{14DE76CB-A912-95A2-E679-2A741C33DF32}"/>
-                </a:ext>
-              </a:extLst>
-            </p:cNvPr>
-            <p:cNvSpPr/>
-            <p:nvPr/>
-          </p:nvSpPr>
-          <p:spPr bwMode="auto">
-            <a:xfrm>
-              <a:off x="676278" y="19415466"/>
-              <a:ext cx="14463709" cy="8247055"/>
-            </a:xfrm>
-            <a:prstGeom prst="rect">
+          <a:prstGeom prst="rect">
+            <a:avLst/>
+          </a:prstGeom>
+          <a:solidFill>
+            <a:schemeClr val="accent2">
+              <a:lumMod val="20000"/>
+              <a:lumOff val="80000"/>
+            </a:schemeClr>
+          </a:solidFill>
+          <a:ln w="9525" cap="flat" cmpd="sng" algn="ctr">
+            <a:noFill/>
+            <a:prstDash val="solid"/>
+            <a:round/>
+            <a:headEnd type="none" w="med" len="med"/>
+            <a:tailEnd type="none" w="med" len="med"/>
+          </a:ln>
+          <a:effectLst/>
+        </p:spPr>
+        <p:txBody>
+          <a:bodyPr vert="horz" wrap="square" lIns="91440" tIns="45720" rIns="91440" bIns="45720" numCol="1" rtlCol="0" anchor="t" anchorCtr="0" compatLnSpc="1">
+            <a:prstTxWarp prst="textNoShape">
               <a:avLst/>
-            </a:prstGeom>
-            <a:solidFill>
-              <a:schemeClr val="accent2">
-                <a:lumMod val="20000"/>
-                <a:lumOff val="80000"/>
-              </a:schemeClr>
-            </a:solidFill>
-            <a:ln w="9525" cap="flat" cmpd="sng" algn="ctr">
-              <a:noFill/>
-              <a:prstDash val="solid"/>
-              <a:round/>
-              <a:headEnd type="none" w="med" len="med"/>
-              <a:tailEnd type="none" w="med" len="med"/>
-            </a:ln>
-            <a:effectLst/>
-          </p:spPr>
-          <p:txBody>
-            <a:bodyPr vert="horz" wrap="square" lIns="91440" tIns="45720" rIns="91440" bIns="45720" numCol="1" rtlCol="0" anchor="t" anchorCtr="0" compatLnSpc="1">
-              <a:prstTxWarp prst="textNoShape">
-                <a:avLst/>
-              </a:prstTxWarp>
-            </a:bodyPr>
-            <a:lstStyle/>
-            <a:p>
-              <a:pPr marL="0" marR="0" indent="0" algn="l" defTabSz="4176713" rtl="0" eaLnBrk="1" fontAlgn="base" latinLnBrk="0" hangingPunct="1">
-                <a:lnSpc>
-                  <a:spcPct val="100000"/>
-                </a:lnSpc>
-                <a:spcBef>
-                  <a:spcPct val="0"/>
-                </a:spcBef>
-                <a:spcAft>
-                  <a:spcPct val="0"/>
-                </a:spcAft>
-                <a:buClrTx/>
-                <a:buSzTx/>
-                <a:buFontTx/>
-                <a:buNone/>
-                <a:tabLst/>
-              </a:pPr>
-              <a:endParaRPr kumimoji="0" lang="de-DE" sz="8200" b="0" i="0" u="none" strike="noStrike" cap="none" normalizeH="0" baseline="0">
-                <a:ln>
-                  <a:noFill/>
-                </a:ln>
-                <a:solidFill>
-                  <a:schemeClr val="tx1"/>
-                </a:solidFill>
-                <a:effectLst/>
-                <a:latin typeface="Arial" charset="0"/>
-              </a:endParaRPr>
-            </a:p>
-          </p:txBody>
-        </p:sp>
-        <p:sp>
-          <p:nvSpPr>
-            <p:cNvPr id="35" name="Rechteck 34">
-              <a:extLst>
-                <a:ext uri="{FF2B5EF4-FFF2-40B4-BE49-F238E27FC236}">
-                  <a16:creationId xmlns:a16="http://schemas.microsoft.com/office/drawing/2014/main" id="{38B31809-9159-8EEF-D29E-19B1F076ABA3}"/>
-                </a:ext>
-              </a:extLst>
-            </p:cNvPr>
-            <p:cNvSpPr/>
-            <p:nvPr/>
-          </p:nvSpPr>
-          <p:spPr bwMode="auto">
-            <a:xfrm>
-              <a:off x="15088599" y="19415465"/>
-              <a:ext cx="14446818" cy="8247055"/>
-            </a:xfrm>
-            <a:prstGeom prst="rect">
+            </a:prstTxWarp>
+          </a:bodyPr>
+          <a:lstStyle/>
+          <a:p>
+            <a:pPr marL="0" marR="0" indent="0" algn="l" defTabSz="4176713" rtl="0" eaLnBrk="1" fontAlgn="base" latinLnBrk="0" hangingPunct="1">
+              <a:lnSpc>
+                <a:spcPct val="100000"/>
+              </a:lnSpc>
+              <a:spcBef>
+                <a:spcPct val="0"/>
+              </a:spcBef>
+              <a:spcAft>
+                <a:spcPct val="0"/>
+              </a:spcAft>
+              <a:buClrTx/>
+              <a:buSzTx/>
+              <a:buFontTx/>
+              <a:buNone/>
+              <a:tabLst/>
+            </a:pPr>
+            <a:endParaRPr kumimoji="0" lang="de-DE" sz="8200" b="0" i="0" u="none" strike="noStrike" cap="none" normalizeH="0" baseline="0">
+              <a:ln>
+                <a:noFill/>
+              </a:ln>
+              <a:solidFill>
+                <a:schemeClr val="tx1"/>
+              </a:solidFill>
+              <a:effectLst/>
+              <a:latin typeface="Arial" charset="0"/>
+            </a:endParaRPr>
+          </a:p>
+        </p:txBody>
+      </p:sp>
+      <p:sp>
+        <p:nvSpPr>
+          <p:cNvPr id="35" name="Rechteck 34">
+            <a:extLst>
+              <a:ext uri="{FF2B5EF4-FFF2-40B4-BE49-F238E27FC236}">
+                <a16:creationId xmlns:a16="http://schemas.microsoft.com/office/drawing/2014/main" id="{38B31809-9159-8EEF-D29E-19B1F076ABA3}"/>
+              </a:ext>
+            </a:extLst>
+          </p:cNvPr>
+          <p:cNvSpPr/>
+          <p:nvPr/>
+        </p:nvSpPr>
+        <p:spPr bwMode="auto">
+          <a:xfrm>
+            <a:off x="15299183" y="21644371"/>
+            <a:ext cx="14446818" cy="8247055"/>
+          </a:xfrm>
+          <a:prstGeom prst="rect">
+            <a:avLst/>
+          </a:prstGeom>
+          <a:solidFill>
+            <a:schemeClr val="accent5"/>
+          </a:solidFill>
+          <a:ln w="9525" cap="flat" cmpd="sng" algn="ctr">
+            <a:noFill/>
+            <a:prstDash val="solid"/>
+            <a:round/>
+            <a:headEnd type="none" w="med" len="med"/>
+            <a:tailEnd type="none" w="med" len="med"/>
+          </a:ln>
+          <a:effectLst/>
+        </p:spPr>
+        <p:txBody>
+          <a:bodyPr vert="horz" wrap="square" lIns="91440" tIns="45720" rIns="91440" bIns="45720" numCol="1" rtlCol="0" anchor="t" anchorCtr="0" compatLnSpc="1">
+            <a:prstTxWarp prst="textNoShape">
               <a:avLst/>
-            </a:prstGeom>
-            <a:solidFill>
-              <a:schemeClr val="accent5"/>
-            </a:solidFill>
-            <a:ln w="9525" cap="flat" cmpd="sng" algn="ctr">
-              <a:noFill/>
-              <a:prstDash val="solid"/>
-              <a:round/>
-              <a:headEnd type="none" w="med" len="med"/>
-              <a:tailEnd type="none" w="med" len="med"/>
-            </a:ln>
-            <a:effectLst/>
-          </p:spPr>
-          <p:txBody>
-            <a:bodyPr vert="horz" wrap="square" lIns="91440" tIns="45720" rIns="91440" bIns="45720" numCol="1" rtlCol="0" anchor="t" anchorCtr="0" compatLnSpc="1">
-              <a:prstTxWarp prst="textNoShape">
-                <a:avLst/>
-              </a:prstTxWarp>
-            </a:bodyPr>
-            <a:lstStyle/>
-            <a:p>
-              <a:pPr marL="0" marR="0" indent="0" algn="l" defTabSz="4176713" rtl="0" eaLnBrk="1" fontAlgn="base" latinLnBrk="0" hangingPunct="1">
-                <a:lnSpc>
-                  <a:spcPct val="100000"/>
-                </a:lnSpc>
-                <a:spcBef>
-                  <a:spcPct val="0"/>
-                </a:spcBef>
-                <a:spcAft>
-                  <a:spcPct val="0"/>
-                </a:spcAft>
-                <a:buClrTx/>
-                <a:buSzTx/>
-                <a:buFontTx/>
-                <a:buNone/>
-                <a:tabLst/>
-              </a:pPr>
-              <a:endParaRPr kumimoji="0" lang="de-DE" sz="8200" b="0" i="0" u="none" strike="noStrike" cap="none" normalizeH="0" baseline="0">
-                <a:ln>
-                  <a:noFill/>
-                </a:ln>
-                <a:solidFill>
-                  <a:schemeClr val="tx1"/>
-                </a:solidFill>
-                <a:effectLst/>
-                <a:latin typeface="Arial" charset="0"/>
-              </a:endParaRPr>
-            </a:p>
-          </p:txBody>
-        </p:sp>
-        <p:sp>
-          <p:nvSpPr>
-            <p:cNvPr id="59" name="Rechteck 58">
-              <a:extLst>
-                <a:ext uri="{FF2B5EF4-FFF2-40B4-BE49-F238E27FC236}">
-                  <a16:creationId xmlns:a16="http://schemas.microsoft.com/office/drawing/2014/main" id="{4458A21C-BA8A-5FA3-13C9-375ADC33A97A}"/>
-                </a:ext>
-              </a:extLst>
-            </p:cNvPr>
-            <p:cNvSpPr/>
-            <p:nvPr/>
-          </p:nvSpPr>
-          <p:spPr bwMode="auto">
-            <a:xfrm>
-              <a:off x="15088599" y="27662521"/>
-              <a:ext cx="14446818" cy="7173054"/>
-            </a:xfrm>
-            <a:prstGeom prst="rect">
+            </a:prstTxWarp>
+          </a:bodyPr>
+          <a:lstStyle/>
+          <a:p>
+            <a:pPr marL="0" marR="0" indent="0" algn="l" defTabSz="4176713" rtl="0" eaLnBrk="1" fontAlgn="base" latinLnBrk="0" hangingPunct="1">
+              <a:lnSpc>
+                <a:spcPct val="100000"/>
+              </a:lnSpc>
+              <a:spcBef>
+                <a:spcPct val="0"/>
+              </a:spcBef>
+              <a:spcAft>
+                <a:spcPct val="0"/>
+              </a:spcAft>
+              <a:buClrTx/>
+              <a:buSzTx/>
+              <a:buFontTx/>
+              <a:buNone/>
+              <a:tabLst/>
+            </a:pPr>
+            <a:endParaRPr kumimoji="0" lang="de-DE" sz="8200" b="0" i="0" u="none" strike="noStrike" cap="none" normalizeH="0" baseline="0">
+              <a:ln>
+                <a:noFill/>
+              </a:ln>
+              <a:solidFill>
+                <a:schemeClr val="tx1"/>
+              </a:solidFill>
+              <a:effectLst/>
+              <a:latin typeface="Arial" charset="0"/>
+            </a:endParaRPr>
+          </a:p>
+        </p:txBody>
+      </p:sp>
+      <p:sp>
+        <p:nvSpPr>
+          <p:cNvPr id="59" name="Rechteck 58">
+            <a:extLst>
+              <a:ext uri="{FF2B5EF4-FFF2-40B4-BE49-F238E27FC236}">
+                <a16:creationId xmlns:a16="http://schemas.microsoft.com/office/drawing/2014/main" id="{4458A21C-BA8A-5FA3-13C9-375ADC33A97A}"/>
+              </a:ext>
+            </a:extLst>
+          </p:cNvPr>
+          <p:cNvSpPr/>
+          <p:nvPr/>
+        </p:nvSpPr>
+        <p:spPr bwMode="auto">
+          <a:xfrm>
+            <a:off x="15299183" y="29891427"/>
+            <a:ext cx="14446818" cy="7173054"/>
+          </a:xfrm>
+          <a:prstGeom prst="rect">
+            <a:avLst/>
+          </a:prstGeom>
+          <a:solidFill>
+            <a:schemeClr val="accent5">
+              <a:lumMod val="75000"/>
+            </a:schemeClr>
+          </a:solidFill>
+          <a:ln w="9525" cap="flat" cmpd="sng" algn="ctr">
+            <a:noFill/>
+            <a:prstDash val="solid"/>
+            <a:round/>
+            <a:headEnd type="none" w="med" len="med"/>
+            <a:tailEnd type="none" w="med" len="med"/>
+          </a:ln>
+          <a:effectLst/>
+        </p:spPr>
+        <p:txBody>
+          <a:bodyPr vert="horz" wrap="square" lIns="91440" tIns="45720" rIns="91440" bIns="45720" numCol="1" rtlCol="0" anchor="t" anchorCtr="0" compatLnSpc="1">
+            <a:prstTxWarp prst="textNoShape">
               <a:avLst/>
-            </a:prstGeom>
-            <a:solidFill>
-              <a:schemeClr val="accent5">
-                <a:lumMod val="75000"/>
-              </a:schemeClr>
-            </a:solidFill>
-            <a:ln w="9525" cap="flat" cmpd="sng" algn="ctr">
-              <a:noFill/>
-              <a:prstDash val="solid"/>
-              <a:round/>
-              <a:headEnd type="none" w="med" len="med"/>
-              <a:tailEnd type="none" w="med" len="med"/>
-            </a:ln>
-            <a:effectLst/>
-          </p:spPr>
-          <p:txBody>
-            <a:bodyPr vert="horz" wrap="square" lIns="91440" tIns="45720" rIns="91440" bIns="45720" numCol="1" rtlCol="0" anchor="t" anchorCtr="0" compatLnSpc="1">
-              <a:prstTxWarp prst="textNoShape">
-                <a:avLst/>
-              </a:prstTxWarp>
-            </a:bodyPr>
-            <a:lstStyle/>
-            <a:p>
-              <a:pPr marL="0" marR="0" indent="0" algn="l" defTabSz="4176713" rtl="0" eaLnBrk="1" fontAlgn="base" latinLnBrk="0" hangingPunct="1">
-                <a:lnSpc>
-                  <a:spcPct val="100000"/>
-                </a:lnSpc>
-                <a:spcBef>
-                  <a:spcPct val="0"/>
-                </a:spcBef>
-                <a:spcAft>
-                  <a:spcPct val="0"/>
-                </a:spcAft>
-                <a:buClrTx/>
-                <a:buSzTx/>
-                <a:buFontTx/>
-                <a:buNone/>
-                <a:tabLst/>
-              </a:pPr>
-              <a:endParaRPr kumimoji="0" lang="de-DE" sz="8200" b="0" i="0" u="none" strike="noStrike" cap="none" normalizeH="0" baseline="0">
-                <a:ln>
-                  <a:noFill/>
-                </a:ln>
-                <a:solidFill>
-                  <a:schemeClr val="tx1"/>
-                </a:solidFill>
-                <a:effectLst/>
-                <a:latin typeface="Arial" charset="0"/>
-              </a:endParaRPr>
-            </a:p>
-          </p:txBody>
-        </p:sp>
-        <p:sp>
-          <p:nvSpPr>
-            <p:cNvPr id="60" name="Rechteck 59">
-              <a:extLst>
-                <a:ext uri="{FF2B5EF4-FFF2-40B4-BE49-F238E27FC236}">
-                  <a16:creationId xmlns:a16="http://schemas.microsoft.com/office/drawing/2014/main" id="{4E1BC133-5320-FB23-FEFD-C2B8348955A6}"/>
-                </a:ext>
-              </a:extLst>
-            </p:cNvPr>
-            <p:cNvSpPr/>
-            <p:nvPr/>
-          </p:nvSpPr>
-          <p:spPr bwMode="auto">
-            <a:xfrm>
-              <a:off x="641781" y="27672045"/>
-              <a:ext cx="14446818" cy="7173053"/>
-            </a:xfrm>
-            <a:prstGeom prst="rect">
+            </a:prstTxWarp>
+          </a:bodyPr>
+          <a:lstStyle/>
+          <a:p>
+            <a:pPr marL="0" marR="0" indent="0" algn="l" defTabSz="4176713" rtl="0" eaLnBrk="1" fontAlgn="base" latinLnBrk="0" hangingPunct="1">
+              <a:lnSpc>
+                <a:spcPct val="100000"/>
+              </a:lnSpc>
+              <a:spcBef>
+                <a:spcPct val="0"/>
+              </a:spcBef>
+              <a:spcAft>
+                <a:spcPct val="0"/>
+              </a:spcAft>
+              <a:buClrTx/>
+              <a:buSzTx/>
+              <a:buFontTx/>
+              <a:buNone/>
+              <a:tabLst/>
+            </a:pPr>
+            <a:endParaRPr kumimoji="0" lang="de-DE" sz="8200" b="0" i="0" u="none" strike="noStrike" cap="none" normalizeH="0" baseline="0">
+              <a:ln>
+                <a:noFill/>
+              </a:ln>
+              <a:solidFill>
+                <a:schemeClr val="tx1"/>
+              </a:solidFill>
+              <a:effectLst/>
+              <a:latin typeface="Arial" charset="0"/>
+            </a:endParaRPr>
+          </a:p>
+        </p:txBody>
+      </p:sp>
+      <p:sp>
+        <p:nvSpPr>
+          <p:cNvPr id="60" name="Rechteck 59">
+            <a:extLst>
+              <a:ext uri="{FF2B5EF4-FFF2-40B4-BE49-F238E27FC236}">
+                <a16:creationId xmlns:a16="http://schemas.microsoft.com/office/drawing/2014/main" id="{4E1BC133-5320-FB23-FEFD-C2B8348955A6}"/>
+              </a:ext>
+            </a:extLst>
+          </p:cNvPr>
+          <p:cNvSpPr/>
+          <p:nvPr/>
+        </p:nvSpPr>
+        <p:spPr bwMode="auto">
+          <a:xfrm>
+            <a:off x="852365" y="29900951"/>
+            <a:ext cx="14446818" cy="7173053"/>
+          </a:xfrm>
+          <a:prstGeom prst="rect">
+            <a:avLst/>
+          </a:prstGeom>
+          <a:solidFill>
+            <a:schemeClr val="accent2">
+              <a:lumMod val="60000"/>
+              <a:lumOff val="40000"/>
+            </a:schemeClr>
+          </a:solidFill>
+          <a:ln w="9525" cap="flat" cmpd="sng" algn="ctr">
+            <a:noFill/>
+            <a:prstDash val="solid"/>
+            <a:round/>
+            <a:headEnd type="none" w="med" len="med"/>
+            <a:tailEnd type="none" w="med" len="med"/>
+          </a:ln>
+          <a:effectLst/>
+        </p:spPr>
+        <p:txBody>
+          <a:bodyPr vert="horz" wrap="square" lIns="91440" tIns="45720" rIns="91440" bIns="45720" numCol="1" rtlCol="0" anchor="t" anchorCtr="0" compatLnSpc="1">
+            <a:prstTxWarp prst="textNoShape">
               <a:avLst/>
-            </a:prstGeom>
-            <a:solidFill>
-              <a:schemeClr val="accent2">
-                <a:lumMod val="60000"/>
-                <a:lumOff val="40000"/>
-              </a:schemeClr>
-            </a:solidFill>
-            <a:ln w="9525" cap="flat" cmpd="sng" algn="ctr">
-              <a:noFill/>
-              <a:prstDash val="solid"/>
-              <a:round/>
-              <a:headEnd type="none" w="med" len="med"/>
-              <a:tailEnd type="none" w="med" len="med"/>
-            </a:ln>
-            <a:effectLst/>
-          </p:spPr>
-          <p:txBody>
-            <a:bodyPr vert="horz" wrap="square" lIns="91440" tIns="45720" rIns="91440" bIns="45720" numCol="1" rtlCol="0" anchor="t" anchorCtr="0" compatLnSpc="1">
-              <a:prstTxWarp prst="textNoShape">
-                <a:avLst/>
-              </a:prstTxWarp>
-            </a:bodyPr>
-            <a:lstStyle/>
-            <a:p>
-              <a:pPr marL="0" marR="0" indent="0" algn="l" defTabSz="4176713" rtl="0" eaLnBrk="1" fontAlgn="base" latinLnBrk="0" hangingPunct="1">
-                <a:lnSpc>
-                  <a:spcPct val="100000"/>
-                </a:lnSpc>
-                <a:spcBef>
-                  <a:spcPct val="0"/>
-                </a:spcBef>
-                <a:spcAft>
-                  <a:spcPct val="0"/>
-                </a:spcAft>
-                <a:buClrTx/>
-                <a:buSzTx/>
-                <a:buFontTx/>
-                <a:buNone/>
-                <a:tabLst/>
-              </a:pPr>
-              <a:endParaRPr kumimoji="0" lang="de-DE" sz="8200" b="0" i="0" u="none" strike="noStrike" cap="none" normalizeH="0" baseline="0">
-                <a:ln>
-                  <a:noFill/>
-                </a:ln>
-                <a:solidFill>
-                  <a:schemeClr val="tx1"/>
-                </a:solidFill>
-                <a:effectLst/>
-                <a:latin typeface="Arial" charset="0"/>
-              </a:endParaRPr>
-            </a:p>
-          </p:txBody>
-        </p:sp>
-      </p:grpSp>
+            </a:prstTxWarp>
+          </a:bodyPr>
+          <a:lstStyle/>
+          <a:p>
+            <a:pPr marL="0" marR="0" indent="0" algn="l" defTabSz="4176713" rtl="0" eaLnBrk="1" fontAlgn="base" latinLnBrk="0" hangingPunct="1">
+              <a:lnSpc>
+                <a:spcPct val="100000"/>
+              </a:lnSpc>
+              <a:spcBef>
+                <a:spcPct val="0"/>
+              </a:spcBef>
+              <a:spcAft>
+                <a:spcPct val="0"/>
+              </a:spcAft>
+              <a:buClrTx/>
+              <a:buSzTx/>
+              <a:buFontTx/>
+              <a:buNone/>
+              <a:tabLst/>
+            </a:pPr>
+            <a:endParaRPr kumimoji="0" lang="de-DE" sz="8200" b="0" i="0" u="none" strike="noStrike" cap="none" normalizeH="0" baseline="0">
+              <a:ln>
+                <a:noFill/>
+              </a:ln>
+              <a:solidFill>
+                <a:schemeClr val="tx1"/>
+              </a:solidFill>
+              <a:effectLst/>
+              <a:latin typeface="Arial" charset="0"/>
+            </a:endParaRPr>
+          </a:p>
+        </p:txBody>
+      </p:sp>
       <p:pic>
         <p:nvPicPr>
           <p:cNvPr id="16" name="Grafik 15">
@@ -9966,7 +9945,7 @@
         </p:blipFill>
         <p:spPr>
           <a:xfrm rot="21332741">
-            <a:off x="24232423" y="7750726"/>
+            <a:off x="23998068" y="7753809"/>
             <a:ext cx="4597236" cy="4369854"/>
           </a:xfrm>
           <a:prstGeom prst="rect">
@@ -9979,6 +9958,42 @@
               </a:prstClr>
             </a:outerShdw>
           </a:effectLst>
+        </p:spPr>
+      </p:pic>
+      <p:pic>
+        <p:nvPicPr>
+          <p:cNvPr id="17" name="Grafik 16">
+            <a:extLst>
+              <a:ext uri="{FF2B5EF4-FFF2-40B4-BE49-F238E27FC236}">
+                <a16:creationId xmlns:a16="http://schemas.microsoft.com/office/drawing/2014/main" id="{A1D0A6F7-F0CC-9C85-7441-AA29B08B0F48}"/>
+              </a:ext>
+            </a:extLst>
+          </p:cNvPr>
+          <p:cNvPicPr>
+            <a:picLocks noChangeAspect="1"/>
+          </p:cNvPicPr>
+          <p:nvPr/>
+        </p:nvPicPr>
+        <p:blipFill>
+          <a:blip r:embed="rId26">
+            <a:extLst>
+              <a:ext uri="{28A0092B-C50C-407E-A947-70E740481C1C}">
+                <a14:useLocalDpi xmlns:a14="http://schemas.microsoft.com/office/drawing/2010/main" val="0"/>
+              </a:ext>
+            </a:extLst>
+          </a:blip>
+          <a:stretch>
+            <a:fillRect/>
+          </a:stretch>
+        </p:blipFill>
+        <p:spPr>
+          <a:xfrm rot="21342048">
+            <a:off x="24948715" y="8692794"/>
+            <a:ext cx="2695941" cy="2695941"/>
+          </a:xfrm>
+          <a:prstGeom prst="rect">
+            <a:avLst/>
+          </a:prstGeom>
         </p:spPr>
       </p:pic>
     </p:spTree>
